--- a/TCC/Apresentação3.pptx
+++ b/TCC/Apresentação3.pptx
@@ -219,7 +219,7 @@
           <a:p>
             <a:fld id="{42C7592B-2AEF-CC48-9F70-42CE4A54CA78}" type="datetimeFigureOut">
               <a:rPr lang="pt-BR" smtClean="0"/>
-              <a:t>22/05/17</a:t>
+              <a:t>23/05/17</a:t>
             </a:fld>
             <a:endParaRPr lang="pt-BR" dirty="0"/>
           </a:p>
@@ -2550,7 +2550,7 @@
           <a:p>
             <a:fld id="{2E0C2A91-7146-E742-9428-3B855C0E492C}" type="datetimeFigureOut">
               <a:rPr lang="pt-BR" smtClean="0"/>
-              <a:t>22/05/17</a:t>
+              <a:t>23/05/17</a:t>
             </a:fld>
             <a:endParaRPr lang="pt-BR" dirty="0"/>
           </a:p>
@@ -2720,7 +2720,7 @@
           <a:p>
             <a:fld id="{2E0C2A91-7146-E742-9428-3B855C0E492C}" type="datetimeFigureOut">
               <a:rPr lang="pt-BR" smtClean="0"/>
-              <a:t>22/05/17</a:t>
+              <a:t>23/05/17</a:t>
             </a:fld>
             <a:endParaRPr lang="pt-BR" dirty="0"/>
           </a:p>
@@ -2900,7 +2900,7 @@
           <a:p>
             <a:fld id="{2E0C2A91-7146-E742-9428-3B855C0E492C}" type="datetimeFigureOut">
               <a:rPr lang="pt-BR" smtClean="0"/>
-              <a:t>22/05/17</a:t>
+              <a:t>23/05/17</a:t>
             </a:fld>
             <a:endParaRPr lang="pt-BR" dirty="0"/>
           </a:p>
@@ -3070,7 +3070,7 @@
           <a:p>
             <a:fld id="{2E0C2A91-7146-E742-9428-3B855C0E492C}" type="datetimeFigureOut">
               <a:rPr lang="pt-BR" smtClean="0"/>
-              <a:t>22/05/17</a:t>
+              <a:t>23/05/17</a:t>
             </a:fld>
             <a:endParaRPr lang="pt-BR" dirty="0"/>
           </a:p>
@@ -3316,7 +3316,7 @@
           <a:p>
             <a:fld id="{2E0C2A91-7146-E742-9428-3B855C0E492C}" type="datetimeFigureOut">
               <a:rPr lang="pt-BR" smtClean="0"/>
-              <a:t>22/05/17</a:t>
+              <a:t>23/05/17</a:t>
             </a:fld>
             <a:endParaRPr lang="pt-BR" dirty="0"/>
           </a:p>
@@ -3548,7 +3548,7 @@
           <a:p>
             <a:fld id="{2E0C2A91-7146-E742-9428-3B855C0E492C}" type="datetimeFigureOut">
               <a:rPr lang="pt-BR" smtClean="0"/>
-              <a:t>22/05/17</a:t>
+              <a:t>23/05/17</a:t>
             </a:fld>
             <a:endParaRPr lang="pt-BR" dirty="0"/>
           </a:p>
@@ -3915,7 +3915,7 @@
           <a:p>
             <a:fld id="{2E0C2A91-7146-E742-9428-3B855C0E492C}" type="datetimeFigureOut">
               <a:rPr lang="pt-BR" smtClean="0"/>
-              <a:t>22/05/17</a:t>
+              <a:t>23/05/17</a:t>
             </a:fld>
             <a:endParaRPr lang="pt-BR" dirty="0"/>
           </a:p>
@@ -4033,7 +4033,7 @@
           <a:p>
             <a:fld id="{2E0C2A91-7146-E742-9428-3B855C0E492C}" type="datetimeFigureOut">
               <a:rPr lang="pt-BR" smtClean="0"/>
-              <a:t>22/05/17</a:t>
+              <a:t>23/05/17</a:t>
             </a:fld>
             <a:endParaRPr lang="pt-BR" dirty="0"/>
           </a:p>
@@ -4128,7 +4128,7 @@
           <a:p>
             <a:fld id="{2E0C2A91-7146-E742-9428-3B855C0E492C}" type="datetimeFigureOut">
               <a:rPr lang="pt-BR" smtClean="0"/>
-              <a:t>22/05/17</a:t>
+              <a:t>23/05/17</a:t>
             </a:fld>
             <a:endParaRPr lang="pt-BR" dirty="0"/>
           </a:p>
@@ -4405,7 +4405,7 @@
           <a:p>
             <a:fld id="{2E0C2A91-7146-E742-9428-3B855C0E492C}" type="datetimeFigureOut">
               <a:rPr lang="pt-BR" smtClean="0"/>
-              <a:t>22/05/17</a:t>
+              <a:t>23/05/17</a:t>
             </a:fld>
             <a:endParaRPr lang="pt-BR" dirty="0"/>
           </a:p>
@@ -4658,7 +4658,7 @@
           <a:p>
             <a:fld id="{2E0C2A91-7146-E742-9428-3B855C0E492C}" type="datetimeFigureOut">
               <a:rPr lang="pt-BR" smtClean="0"/>
-              <a:t>22/05/17</a:t>
+              <a:t>23/05/17</a:t>
             </a:fld>
             <a:endParaRPr lang="pt-BR" dirty="0"/>
           </a:p>
@@ -4871,7 +4871,7 @@
           <a:p>
             <a:fld id="{2E0C2A91-7146-E742-9428-3B855C0E492C}" type="datetimeFigureOut">
               <a:rPr lang="pt-BR" smtClean="0"/>
-              <a:t>22/05/17</a:t>
+              <a:t>23/05/17</a:t>
             </a:fld>
             <a:endParaRPr lang="pt-BR" dirty="0"/>
           </a:p>
@@ -10548,15 +10548,7 @@
                 <a:ea typeface="Arial" charset="0"/>
                 <a:cs typeface="Arial" charset="0"/>
               </a:rPr>
-              <a:t>Conex</a:t>
-            </a:r>
-            <a:r>
-              <a:rPr lang="pt-BR" dirty="0" smtClean="0">
-                <a:latin typeface="Arial" charset="0"/>
-                <a:ea typeface="Arial" charset="0"/>
-                <a:cs typeface="Arial" charset="0"/>
-              </a:rPr>
-              <a:t>ão automática com qualquer banco de dados do tipo relacional;</a:t>
+              <a:t>Conexão automática com qualquer banco de dados do tipo relacional;</a:t>
             </a:r>
           </a:p>
           <a:p>
@@ -11832,24 +11824,18 @@
           <a:p>
             <a:pPr algn="l"/>
             <a:r>
-              <a:rPr lang="pt-BR" dirty="0" smtClean="0">
-                <a:latin typeface="Arial" charset="0"/>
-                <a:ea typeface="Arial" charset="0"/>
-                <a:cs typeface="Arial" charset="0"/>
-              </a:rPr>
-              <a:t>	No desenvolvimento de um software, uma das partes de codificação do mesmo faz referencia a criação de um modelo de negócio que interligue a linguagem de programação a uma base de dados, a qual define-se de banco de dados.</a:t>
-            </a:r>
-          </a:p>
-          <a:p>
-            <a:pPr algn="l"/>
-            <a:r>
-              <a:rPr lang="pt-BR" dirty="0" smtClean="0">
-                <a:latin typeface="Arial" charset="0"/>
-                <a:ea typeface="Arial" charset="0"/>
-                <a:cs typeface="Arial" charset="0"/>
-              </a:rPr>
-              <a:t>	Todo banco de dados é mantido por um conjunto de outros sistemas denominados de Sistemas gerenciadores de bancos de dados.</a:t>
-            </a:r>
+              <a:rPr lang="pt-BR" smtClean="0">
+                <a:latin typeface="Arial" charset="0"/>
+                <a:ea typeface="Arial" charset="0"/>
+                <a:cs typeface="Arial" charset="0"/>
+              </a:rPr>
+              <a:t>	</a:t>
+            </a:r>
+            <a:endParaRPr lang="pt-BR" dirty="0" smtClean="0">
+              <a:latin typeface="Arial" charset="0"/>
+              <a:ea typeface="Arial" charset="0"/>
+              <a:cs typeface="Arial" charset="0"/>
+            </a:endParaRPr>
           </a:p>
           <a:p>
             <a:pPr algn="l"/>
@@ -12125,21 +12111,8 @@
                 <a:ea typeface="Arial" charset="0"/>
                 <a:cs typeface="Arial" charset="0"/>
               </a:rPr>
-              <a:t> </a:t>
-            </a:r>
-            <a:r>
-              <a:rPr lang="en-US" b="1" dirty="0" smtClean="0">
-                <a:latin typeface="Arial" charset="0"/>
-                <a:ea typeface="Arial" charset="0"/>
-                <a:cs typeface="Arial" charset="0"/>
-              </a:rPr>
-              <a:t>Join </a:t>
-            </a:r>
-            <a:endParaRPr lang="en-US" b="1" dirty="0" smtClean="0">
-              <a:latin typeface="Arial" charset="0"/>
-              <a:ea typeface="Arial" charset="0"/>
-              <a:cs typeface="Arial" charset="0"/>
-            </a:endParaRPr>
+              <a:t> Join </a:t>
+            </a:r>
           </a:p>
           <a:p>
             <a:pPr marL="1257300" lvl="2" indent="-342900" algn="l">
@@ -12570,15 +12543,7 @@
                 <a:ea typeface="Arial" charset="0"/>
                 <a:cs typeface="Arial" charset="0"/>
               </a:rPr>
-              <a:t>Utiliza</a:t>
-            </a:r>
-            <a:r>
-              <a:rPr lang="en-US" b="1" dirty="0" err="1" smtClean="0">
-                <a:latin typeface="Arial" charset="0"/>
-                <a:ea typeface="Arial" charset="0"/>
-                <a:cs typeface="Arial" charset="0"/>
-              </a:rPr>
-              <a:t>ção</a:t>
+              <a:t>Utilização</a:t>
             </a:r>
             <a:endParaRPr lang="en-US" dirty="0">
               <a:latin typeface="Arial" charset="0"/>
@@ -12904,15 +12869,7 @@
                 <a:ea typeface="Arial" charset="0"/>
                 <a:cs typeface="Arial" charset="0"/>
               </a:rPr>
-              <a:t>Conclus</a:t>
-            </a:r>
-            <a:r>
-              <a:rPr lang="en-US" b="1" dirty="0" err="1" smtClean="0">
-                <a:latin typeface="Arial" charset="0"/>
-                <a:ea typeface="Arial" charset="0"/>
-                <a:cs typeface="Arial" charset="0"/>
-              </a:rPr>
-              <a:t>ão</a:t>
+              <a:t>Conclusão</a:t>
             </a:r>
             <a:endParaRPr lang="en-US" b="1" dirty="0" smtClean="0">
               <a:latin typeface="Arial" charset="0"/>
@@ -13781,11 +13738,6 @@
               </a:rPr>
               <a:t>FIM</a:t>
             </a:r>
-            <a:endParaRPr lang="pt-BR" sz="6000" dirty="0" smtClean="0">
-              <a:latin typeface="Arial" charset="0"/>
-              <a:ea typeface="Arial" charset="0"/>
-              <a:cs typeface="Arial" charset="0"/>
-            </a:endParaRPr>
           </a:p>
         </p:txBody>
       </p:sp>
